--- a/PHY2026/Experiment_4/Final_Report/Exp_5.pptx
+++ b/PHY2026/Experiment_4/Final_Report/Exp_5.pptx
@@ -243,7 +243,7 @@
           <a:p>
             <a:fld id="{E5246459-C4AA-4050-837C-05555D235892}" type="datetimeFigureOut">
               <a:rPr lang="en-GB" smtClean="0"/>
-              <a:t>15/02/2019</a:t>
+              <a:t>23/02/2019</a:t>
             </a:fld>
             <a:endParaRPr lang="en-GB"/>
           </a:p>
@@ -413,7 +413,7 @@
           <a:p>
             <a:fld id="{E5246459-C4AA-4050-837C-05555D235892}" type="datetimeFigureOut">
               <a:rPr lang="en-GB" smtClean="0"/>
-              <a:t>15/02/2019</a:t>
+              <a:t>23/02/2019</a:t>
             </a:fld>
             <a:endParaRPr lang="en-GB"/>
           </a:p>
@@ -593,7 +593,7 @@
           <a:p>
             <a:fld id="{E5246459-C4AA-4050-837C-05555D235892}" type="datetimeFigureOut">
               <a:rPr lang="en-GB" smtClean="0"/>
-              <a:t>15/02/2019</a:t>
+              <a:t>23/02/2019</a:t>
             </a:fld>
             <a:endParaRPr lang="en-GB"/>
           </a:p>
@@ -763,7 +763,7 @@
           <a:p>
             <a:fld id="{E5246459-C4AA-4050-837C-05555D235892}" type="datetimeFigureOut">
               <a:rPr lang="en-GB" smtClean="0"/>
-              <a:t>15/02/2019</a:t>
+              <a:t>23/02/2019</a:t>
             </a:fld>
             <a:endParaRPr lang="en-GB"/>
           </a:p>
@@ -1009,7 +1009,7 @@
           <a:p>
             <a:fld id="{E5246459-C4AA-4050-837C-05555D235892}" type="datetimeFigureOut">
               <a:rPr lang="en-GB" smtClean="0"/>
-              <a:t>15/02/2019</a:t>
+              <a:t>23/02/2019</a:t>
             </a:fld>
             <a:endParaRPr lang="en-GB"/>
           </a:p>
@@ -1241,7 +1241,7 @@
           <a:p>
             <a:fld id="{E5246459-C4AA-4050-837C-05555D235892}" type="datetimeFigureOut">
               <a:rPr lang="en-GB" smtClean="0"/>
-              <a:t>15/02/2019</a:t>
+              <a:t>23/02/2019</a:t>
             </a:fld>
             <a:endParaRPr lang="en-GB"/>
           </a:p>
@@ -1608,7 +1608,7 @@
           <a:p>
             <a:fld id="{E5246459-C4AA-4050-837C-05555D235892}" type="datetimeFigureOut">
               <a:rPr lang="en-GB" smtClean="0"/>
-              <a:t>15/02/2019</a:t>
+              <a:t>23/02/2019</a:t>
             </a:fld>
             <a:endParaRPr lang="en-GB"/>
           </a:p>
@@ -1726,7 +1726,7 @@
           <a:p>
             <a:fld id="{E5246459-C4AA-4050-837C-05555D235892}" type="datetimeFigureOut">
               <a:rPr lang="en-GB" smtClean="0"/>
-              <a:t>15/02/2019</a:t>
+              <a:t>23/02/2019</a:t>
             </a:fld>
             <a:endParaRPr lang="en-GB"/>
           </a:p>
@@ -1821,7 +1821,7 @@
           <a:p>
             <a:fld id="{E5246459-C4AA-4050-837C-05555D235892}" type="datetimeFigureOut">
               <a:rPr lang="en-GB" smtClean="0"/>
-              <a:t>15/02/2019</a:t>
+              <a:t>23/02/2019</a:t>
             </a:fld>
             <a:endParaRPr lang="en-GB"/>
           </a:p>
@@ -2098,7 +2098,7 @@
           <a:p>
             <a:fld id="{E5246459-C4AA-4050-837C-05555D235892}" type="datetimeFigureOut">
               <a:rPr lang="en-GB" smtClean="0"/>
-              <a:t>15/02/2019</a:t>
+              <a:t>23/02/2019</a:t>
             </a:fld>
             <a:endParaRPr lang="en-GB"/>
           </a:p>
@@ -2351,7 +2351,7 @@
           <a:p>
             <a:fld id="{E5246459-C4AA-4050-837C-05555D235892}" type="datetimeFigureOut">
               <a:rPr lang="en-GB" smtClean="0"/>
-              <a:t>15/02/2019</a:t>
+              <a:t>23/02/2019</a:t>
             </a:fld>
             <a:endParaRPr lang="en-GB"/>
           </a:p>
@@ -2564,7 +2564,7 @@
           <a:p>
             <a:fld id="{E5246459-C4AA-4050-837C-05555D235892}" type="datetimeFigureOut">
               <a:rPr lang="en-GB" smtClean="0"/>
-              <a:t>15/02/2019</a:t>
+              <a:t>23/02/2019</a:t>
             </a:fld>
             <a:endParaRPr lang="en-GB"/>
           </a:p>
@@ -3217,6 +3217,43 @@
           </a:fontRef>
         </p:style>
       </p:cxnSp>
+      <p:sp>
+        <p:nvSpPr>
+          <p:cNvPr id="9" name="TextBox 8"/>
+          <p:cNvSpPr txBox="1"/>
+          <p:nvPr/>
+        </p:nvSpPr>
+        <p:spPr>
+          <a:xfrm>
+            <a:off x="5745890" y="4716953"/>
+            <a:ext cx="815546" cy="369332"/>
+          </a:xfrm>
+          <a:prstGeom prst="rect">
+            <a:avLst/>
+          </a:prstGeom>
+          <a:noFill/>
+        </p:spPr>
+        <p:txBody>
+          <a:bodyPr wrap="square" rtlCol="0">
+            <a:spAutoFit/>
+          </a:bodyPr>
+          <a:lstStyle/>
+          <a:p>
+            <a:pPr algn="ctr"/>
+            <a:r>
+              <a:rPr lang="en-GB" dirty="0" smtClean="0">
+                <a:latin typeface="Times New Roman" panose="02020603050405020304" pitchFamily="18" charset="0"/>
+                <a:cs typeface="Times New Roman" panose="02020603050405020304" pitchFamily="18" charset="0"/>
+              </a:rPr>
+              <a:t>20 Hz</a:t>
+            </a:r>
+            <a:endParaRPr lang="en-GB" dirty="0">
+              <a:latin typeface="Times New Roman" panose="02020603050405020304" pitchFamily="18" charset="0"/>
+              <a:cs typeface="Times New Roman" panose="02020603050405020304" pitchFamily="18" charset="0"/>
+            </a:endParaRPr>
+          </a:p>
+        </p:txBody>
+      </p:sp>
     </p:spTree>
     <p:extLst>
       <p:ext uri="{BB962C8B-B14F-4D97-AF65-F5344CB8AC3E}">
